--- a/direction_calculator/Presentation/When the wise man points to the ISS_Final.pptx
+++ b/direction_calculator/Presentation/When the wise man points to the ISS_Final.pptx
@@ -11764,13 +11764,13 @@
               </a:ext>
             </a:extLst>
           </a:blip>
-          <a:srcRect l="9570" t="8942" r="20901" b="38430"/>
+          <a:srcRect l="5913" r="15173" b="33310"/>
           <a:stretch/>
         </p:blipFill>
         <p:spPr>
           <a:xfrm>
-            <a:off x="5138244" y="1866450"/>
-            <a:ext cx="6357771" cy="3609191"/>
+            <a:off x="5120023" y="1374015"/>
+            <a:ext cx="6484441" cy="4109970"/>
           </a:xfrm>
           <a:prstGeom prst="rect">
             <a:avLst/>
